--- a/final tik ppt.pptx
+++ b/final tik ppt.pptx
@@ -226,7 +226,7 @@
           <a:p>
             <a:fld id="{46256A78-79A6-408F-8148-4F87BB81602D}" type="datetimeFigureOut">
               <a:rPr lang="en-IN" smtClean="0"/>
-              <a:t>21-09-2025</a:t>
+              <a:t>22-09-2025</a:t>
             </a:fld>
             <a:endParaRPr lang="en-IN"/>
           </a:p>
@@ -730,7 +730,7 @@
           <a:p>
             <a:fld id="{ED291B17-9318-49DB-B28B-6E5994AE9581}" type="datetime1">
               <a:rPr lang="en-US" smtClean="0"/>
-              <a:t>9/21/2025</a:t>
+              <a:t>9/22/2025</a:t>
             </a:fld>
             <a:endParaRPr lang="en-US"/>
           </a:p>
@@ -939,7 +939,7 @@
           <a:p>
             <a:fld id="{2CED4963-E985-44C4-B8C4-FDD613B7C2F8}" type="datetime1">
               <a:rPr lang="en-US" smtClean="0"/>
-              <a:t>9/21/2025</a:t>
+              <a:t>9/22/2025</a:t>
             </a:fld>
             <a:endParaRPr lang="en-US"/>
           </a:p>
@@ -1307,7 +1307,7 @@
           <a:p>
             <a:fld id="{ED291B17-9318-49DB-B28B-6E5994AE9581}" type="datetime1">
               <a:rPr lang="en-US" smtClean="0"/>
-              <a:t>9/21/2025</a:t>
+              <a:t>9/22/2025</a:t>
             </a:fld>
             <a:endParaRPr lang="en-US"/>
           </a:p>
@@ -1511,7 +1511,7 @@
           <a:p>
             <a:fld id="{78DD82B9-B8EE-4375-B6FF-88FA6ABB15D9}" type="datetime1">
               <a:rPr lang="en-US" smtClean="0"/>
-              <a:t>9/21/2025</a:t>
+              <a:t>9/22/2025</a:t>
             </a:fld>
             <a:endParaRPr lang="en-US"/>
           </a:p>
@@ -1768,7 +1768,7 @@
           <a:p>
             <a:fld id="{B2497495-0637-405E-AE64-5CC7506D51F5}" type="datetime1">
               <a:rPr lang="en-US" smtClean="0"/>
-              <a:t>9/21/2025</a:t>
+              <a:t>9/22/2025</a:t>
             </a:fld>
             <a:endParaRPr lang="en-US"/>
           </a:p>
@@ -2026,7 +2026,7 @@
           <a:p>
             <a:fld id="{7BFFD690-9426-415D-8B65-26881E07B2D4}" type="datetime1">
               <a:rPr lang="en-US" smtClean="0"/>
-              <a:t>9/21/2025</a:t>
+              <a:t>9/22/2025</a:t>
             </a:fld>
             <a:endParaRPr lang="en-US"/>
           </a:p>
@@ -2453,7 +2453,7 @@
           <a:p>
             <a:fld id="{04C4989A-474C-40DE-95B9-011C28B71673}" type="datetime1">
               <a:rPr lang="en-US" smtClean="0"/>
-              <a:t>9/21/2025</a:t>
+              <a:t>9/22/2025</a:t>
             </a:fld>
             <a:endParaRPr lang="en-US"/>
           </a:p>
@@ -2583,7 +2583,7 @@
           <a:p>
             <a:fld id="{5DB4ED54-5B5E-4A04-93D3-5772E3CE3818}" type="datetime1">
               <a:rPr lang="en-US" smtClean="0"/>
-              <a:t>9/21/2025</a:t>
+              <a:t>9/22/2025</a:t>
             </a:fld>
             <a:endParaRPr lang="en-US"/>
           </a:p>
@@ -2686,7 +2686,7 @@
           <a:p>
             <a:fld id="{4EDE50D6-574B-40AF-946F-D52A04ADE379}" type="datetime1">
               <a:rPr lang="en-US" smtClean="0"/>
-              <a:t>9/21/2025</a:t>
+              <a:t>9/22/2025</a:t>
             </a:fld>
             <a:endParaRPr lang="en-US"/>
           </a:p>
@@ -3069,7 +3069,7 @@
           <a:p>
             <a:fld id="{D82884F1-FFEA-405F-9602-3DCA865EDA4E}" type="datetime1">
               <a:rPr lang="en-US" smtClean="0"/>
-              <a:t>9/21/2025</a:t>
+              <a:t>9/22/2025</a:t>
             </a:fld>
             <a:endParaRPr lang="en-US"/>
           </a:p>
@@ -3363,7 +3363,7 @@
           <a:p>
             <a:fld id="{7E18DB4A-8810-4A10-AD5C-D5E2C667F5B3}" type="datetime1">
               <a:rPr lang="en-US" smtClean="0"/>
-              <a:t>9/21/2025</a:t>
+              <a:t>9/22/2025</a:t>
             </a:fld>
             <a:endParaRPr lang="en-US"/>
           </a:p>
@@ -3584,7 +3584,7 @@
           <a:p>
             <a:fld id="{ED291B17-9318-49DB-B28B-6E5994AE9581}" type="datetime1">
               <a:rPr lang="en-US" smtClean="0"/>
-              <a:t>9/21/2025</a:t>
+              <a:t>9/22/2025</a:t>
             </a:fld>
             <a:endParaRPr lang="en-US"/>
           </a:p>
@@ -4569,8 +4569,8 @@
         </p:nvSpPr>
         <p:spPr bwMode="auto">
           <a:xfrm>
-            <a:off x="895824" y="2182703"/>
-            <a:ext cx="7266733" cy="1692771"/>
+            <a:off x="895824" y="1265531"/>
+            <a:ext cx="9789668" cy="3527119"/>
           </a:xfrm>
           <a:prstGeom prst="rect">
             <a:avLst/>
@@ -4635,7 +4635,7 @@
               <a:tabLst/>
             </a:pPr>
             <a:r>
-              <a:rPr kumimoji="0" lang="en-US" altLang="en-US" sz="4000" b="0" i="0" u="none" strike="noStrike" cap="none" normalizeH="0" baseline="0" dirty="0">
+              <a:rPr kumimoji="0" lang="en-US" altLang="en-US" sz="3600" b="0" i="0" u="none" strike="noStrike" cap="none" normalizeH="0" baseline="0" dirty="0">
                 <a:ln>
                   <a:noFill/>
                 </a:ln>
@@ -4666,7 +4666,7 @@
               <a:tabLst/>
             </a:pPr>
             <a:r>
-              <a:rPr kumimoji="0" lang="en-US" altLang="en-US" sz="4000" b="0" i="0" u="none" strike="noStrike" cap="none" normalizeH="0" baseline="0" dirty="0">
+              <a:rPr kumimoji="0" lang="en-US" altLang="en-US" sz="3600" b="0" i="0" u="none" strike="noStrike" cap="none" normalizeH="0" baseline="0" dirty="0">
                 <a:ln>
                   <a:noFill/>
                 </a:ln>
@@ -4680,7 +4680,7 @@
             </a:r>
           </a:p>
           <a:p>
-            <a:pPr marL="0" lvl="0" indent="0" defTabSz="914400" eaLnBrk="0" fontAlgn="base" hangingPunct="0">
+            <a:pPr marL="0" marR="0" lvl="0" indent="0" algn="l" defTabSz="914400" rtl="0" eaLnBrk="0" fontAlgn="base" latinLnBrk="0" hangingPunct="0">
               <a:lnSpc>
                 <a:spcPct val="100000"/>
               </a:lnSpc>
@@ -4694,13 +4694,138 @@
               <a:buSzTx/>
               <a:buFontTx/>
               <a:buChar char="•"/>
+              <a:tabLst/>
             </a:pPr>
-            <a:r>
-              <a:rPr lang="en-IN" sz="2400" dirty="0">
+            <a:endParaRPr kumimoji="0" lang="en-US" altLang="en-US" sz="4000" b="0" i="0" u="none" strike="noStrike" cap="none" normalizeH="0" baseline="0" dirty="0">
+              <a:ln>
+                <a:noFill/>
+              </a:ln>
+              <a:solidFill>
+                <a:schemeClr val="tx1"/>
+              </a:solidFill>
+              <a:effectLst/>
+              <a:latin typeface="Arial" panose="020B0604020202020204" pitchFamily="34" charset="0"/>
+            </a:endParaRPr>
+          </a:p>
+          <a:p>
+            <a:pPr marL="0" lvl="0" indent="0" eaLnBrk="0" fontAlgn="base" hangingPunct="0">
+              <a:spcBef>
+                <a:spcPct val="0"/>
+              </a:spcBef>
+              <a:spcAft>
+                <a:spcPct val="0"/>
+              </a:spcAft>
+              <a:buNone/>
+            </a:pPr>
+            <a:r>
+              <a:rPr lang="en-IN" altLang="en-US" sz="2400" dirty="0">
+                <a:solidFill>
+                  <a:schemeClr val="tx1"/>
+                </a:solidFill>
+                <a:latin typeface="Arial" panose="020B0604020202020204" pitchFamily="34" charset="0"/>
+              </a:rPr>
+              <a:t>›››</a:t>
+            </a:r>
+            <a:r>
+              <a:rPr lang="en-US" altLang="en-US" sz="2400" dirty="0">
+                <a:solidFill>
+                  <a:schemeClr val="tx1"/>
+                </a:solidFill>
+                <a:latin typeface="Arial" panose="020B0604020202020204" pitchFamily="34" charset="0"/>
+              </a:rPr>
+              <a:t>Live demo: </a:t>
+            </a:r>
+            <a:r>
+              <a:rPr lang="en-US" altLang="en-US" sz="2400" dirty="0">
+                <a:latin typeface="Arial" panose="020B0604020202020204" pitchFamily="34" charset="0"/>
                 <a:hlinkClick r:id="rId2"/>
               </a:rPr>
               <a:t>https://final-tik-quiz.netlify.app/</a:t>
             </a:r>
+            <a:endParaRPr lang="en-US" altLang="en-US" sz="2400" dirty="0">
+              <a:latin typeface="Arial" panose="020B0604020202020204" pitchFamily="34" charset="0"/>
+            </a:endParaRPr>
+          </a:p>
+          <a:p>
+            <a:pPr marL="0" lvl="0" indent="0" eaLnBrk="0" fontAlgn="base" hangingPunct="0">
+              <a:spcBef>
+                <a:spcPct val="0"/>
+              </a:spcBef>
+              <a:spcAft>
+                <a:spcPct val="0"/>
+              </a:spcAft>
+              <a:buNone/>
+            </a:pPr>
+            <a:endParaRPr lang="en-US" altLang="en-US" sz="2400" dirty="0">
+              <a:solidFill>
+                <a:schemeClr val="tx1"/>
+              </a:solidFill>
+              <a:latin typeface="Arial" panose="020B0604020202020204" pitchFamily="34" charset="0"/>
+            </a:endParaRPr>
+          </a:p>
+          <a:p>
+            <a:pPr marL="0" lvl="0" indent="0" eaLnBrk="0" fontAlgn="base" hangingPunct="0">
+              <a:spcBef>
+                <a:spcPct val="0"/>
+              </a:spcBef>
+              <a:spcAft>
+                <a:spcPct val="0"/>
+              </a:spcAft>
+              <a:buNone/>
+            </a:pPr>
+            <a:r>
+              <a:rPr lang="en-IN" altLang="en-US" sz="2400" dirty="0">
+                <a:solidFill>
+                  <a:schemeClr val="tx1"/>
+                </a:solidFill>
+                <a:latin typeface="Arial" panose="020B0604020202020204" pitchFamily="34" charset="0"/>
+              </a:rPr>
+              <a:t>››› </a:t>
+            </a:r>
+            <a:r>
+              <a:rPr lang="en-US" altLang="en-US" sz="2400" dirty="0">
+                <a:solidFill>
+                  <a:schemeClr val="tx1"/>
+                </a:solidFill>
+                <a:latin typeface="Arial" panose="020B0604020202020204" pitchFamily="34" charset="0"/>
+              </a:rPr>
+              <a:t>GitHub repo</a:t>
+            </a:r>
+            <a:r>
+              <a:rPr lang="en-US" altLang="en-US" sz="2400" dirty="0">
+                <a:latin typeface="Arial" panose="020B0604020202020204" pitchFamily="34" charset="0"/>
+              </a:rPr>
+              <a:t>: </a:t>
+            </a:r>
+            <a:r>
+              <a:rPr lang="en-US" altLang="en-US" sz="2400" dirty="0">
+                <a:latin typeface="Arial" panose="020B0604020202020204" pitchFamily="34" charset="0"/>
+                <a:hlinkClick r:id="rId3"/>
+              </a:rPr>
+              <a:t>https://github.com/Amit-coding-world/Final-Tik-Quiz.git</a:t>
+            </a:r>
+            <a:endParaRPr lang="en-US" altLang="en-US" sz="2400" dirty="0">
+              <a:solidFill>
+                <a:schemeClr val="tx1"/>
+              </a:solidFill>
+              <a:latin typeface="Arial" panose="020B0604020202020204" pitchFamily="34" charset="0"/>
+            </a:endParaRPr>
+          </a:p>
+          <a:p>
+            <a:pPr marL="0" lvl="0" indent="0" defTabSz="914400" eaLnBrk="0" fontAlgn="base" hangingPunct="0">
+              <a:lnSpc>
+                <a:spcPct val="100000"/>
+              </a:lnSpc>
+              <a:spcBef>
+                <a:spcPct val="0"/>
+              </a:spcBef>
+              <a:spcAft>
+                <a:spcPct val="0"/>
+              </a:spcAft>
+              <a:buClrTx/>
+              <a:buSzTx/>
+              <a:buNone/>
+            </a:pPr>
             <a:endParaRPr kumimoji="0" lang="en-US" altLang="en-US" sz="2400" b="0" i="0" u="none" strike="noStrike" cap="none" normalizeH="0" baseline="0" dirty="0">
               <a:ln>
                 <a:noFill/>
@@ -6263,8 +6388,8 @@
         </p:nvSpPr>
         <p:spPr bwMode="auto">
           <a:xfrm>
-            <a:off x="581192" y="1720247"/>
-            <a:ext cx="6210996" cy="1200329"/>
+            <a:off x="178069" y="1302026"/>
+            <a:ext cx="7941726" cy="1323439"/>
           </a:xfrm>
           <a:prstGeom prst="rect">
             <a:avLst/>
@@ -6329,7 +6454,7 @@
               <a:tabLst/>
             </a:pPr>
             <a:r>
-              <a:rPr kumimoji="0" lang="en-US" altLang="en-US" sz="1800" b="0" i="0" u="none" strike="noStrike" cap="none" normalizeH="0" baseline="0" dirty="0">
+              <a:rPr kumimoji="0" lang="en-US" altLang="en-US" sz="2000" b="0" i="0" u="none" strike="noStrike" cap="none" normalizeH="0" baseline="0" dirty="0">
                 <a:ln>
                   <a:noFill/>
                 </a:ln>
@@ -6360,7 +6485,7 @@
               <a:tabLst/>
             </a:pPr>
             <a:r>
-              <a:rPr kumimoji="0" lang="en-US" altLang="en-US" sz="1800" b="0" i="0" u="none" strike="noStrike" cap="none" normalizeH="0" baseline="0" dirty="0">
+              <a:rPr kumimoji="0" lang="en-US" altLang="en-US" sz="2000" b="0" i="0" u="none" strike="noStrike" cap="none" normalizeH="0" baseline="0" dirty="0">
                 <a:ln>
                   <a:noFill/>
                 </a:ln>
@@ -6385,7 +6510,7 @@
               <a:buChar char="•"/>
             </a:pPr>
             <a:r>
-              <a:rPr kumimoji="0" lang="en-US" altLang="en-US" sz="1800" b="0" i="0" u="none" strike="noStrike" cap="none" normalizeH="0" baseline="0" dirty="0">
+              <a:rPr kumimoji="0" lang="en-US" altLang="en-US" sz="2000" b="0" i="0" u="none" strike="noStrike" cap="none" normalizeH="0" baseline="0" dirty="0">
                 <a:ln>
                   <a:noFill/>
                 </a:ln>
@@ -6398,13 +6523,13 @@
               <a:t>Live demo: </a:t>
             </a:r>
             <a:r>
-              <a:rPr lang="en-US" altLang="en-US" dirty="0">
+              <a:rPr lang="en-US" altLang="en-US" sz="2000" dirty="0">
                 <a:latin typeface="Arial" panose="020B0604020202020204" pitchFamily="34" charset="0"/>
                 <a:hlinkClick r:id="rId2"/>
               </a:rPr>
               <a:t>https://final-tik-quiz.netlify.app/</a:t>
             </a:r>
-            <a:endParaRPr kumimoji="0" lang="en-US" altLang="en-US" sz="1800" b="0" i="0" u="none" strike="noStrike" cap="none" normalizeH="0" baseline="0" dirty="0">
+            <a:endParaRPr kumimoji="0" lang="en-US" altLang="en-US" sz="2000" b="0" i="0" u="none" strike="noStrike" cap="none" normalizeH="0" baseline="0" dirty="0">
               <a:ln>
                 <a:noFill/>
               </a:ln>
@@ -6416,24 +6541,18 @@
             </a:endParaRPr>
           </a:p>
           <a:p>
-            <a:pPr marL="0" marR="0" lvl="0" indent="0" algn="l" defTabSz="914400" rtl="0" eaLnBrk="0" fontAlgn="base" latinLnBrk="0" hangingPunct="0">
-              <a:lnSpc>
-                <a:spcPct val="100000"/>
-              </a:lnSpc>
+            <a:pPr lvl="0" eaLnBrk="0" fontAlgn="base" hangingPunct="0">
               <a:spcBef>
                 <a:spcPct val="0"/>
               </a:spcBef>
               <a:spcAft>
                 <a:spcPct val="0"/>
               </a:spcAft>
-              <a:buClrTx/>
-              <a:buSzTx/>
               <a:buFontTx/>
               <a:buChar char="•"/>
-              <a:tabLst/>
             </a:pPr>
             <a:r>
-              <a:rPr kumimoji="0" lang="en-US" altLang="en-US" sz="1800" b="0" i="0" u="none" strike="noStrike" cap="none" normalizeH="0" baseline="0" dirty="0">
+              <a:rPr kumimoji="0" lang="en-US" altLang="en-US" sz="2000" b="0" i="0" u="none" strike="noStrike" cap="none" normalizeH="0" baseline="0" dirty="0">
                 <a:ln>
                   <a:noFill/>
                 </a:ln>
@@ -6443,8 +6562,31 @@
                 <a:effectLst/>
                 <a:latin typeface="Arial" panose="020B0604020202020204" pitchFamily="34" charset="0"/>
               </a:rPr>
-              <a:t>GitHub repo: </a:t>
-            </a:r>
+              <a:t>GitHub repo</a:t>
+            </a:r>
+            <a:r>
+              <a:rPr lang="en-US" altLang="en-US" sz="2000" dirty="0">
+                <a:latin typeface="Arial" panose="020B0604020202020204" pitchFamily="34" charset="0"/>
+              </a:rPr>
+              <a:t>: </a:t>
+            </a:r>
+            <a:r>
+              <a:rPr lang="en-US" altLang="en-US" sz="2000" dirty="0">
+                <a:latin typeface="Arial" panose="020B0604020202020204" pitchFamily="34" charset="0"/>
+                <a:hlinkClick r:id="rId3"/>
+              </a:rPr>
+              <a:t>https://github.com/Amit-coding-world/Final-Tik-Quiz.git</a:t>
+            </a:r>
+            <a:endParaRPr kumimoji="0" lang="en-US" altLang="en-US" sz="2000" b="0" i="0" u="none" strike="noStrike" cap="none" normalizeH="0" baseline="0" dirty="0">
+              <a:ln>
+                <a:noFill/>
+              </a:ln>
+              <a:solidFill>
+                <a:schemeClr val="tx1"/>
+              </a:solidFill>
+              <a:effectLst/>
+              <a:latin typeface="Arial" panose="020B0604020202020204" pitchFamily="34" charset="0"/>
+            </a:endParaRPr>
           </a:p>
         </p:txBody>
       </p:sp>
@@ -6463,7 +6605,7 @@
           <p:nvPr/>
         </p:nvPicPr>
         <p:blipFill>
-          <a:blip r:embed="rId3"/>
+          <a:blip r:embed="rId4"/>
           <a:stretch>
             <a:fillRect/>
           </a:stretch>
@@ -6493,15 +6635,15 @@
           <p:nvPr/>
         </p:nvPicPr>
         <p:blipFill>
-          <a:blip r:embed="rId4"/>
+          <a:blip r:embed="rId5"/>
           <a:stretch>
             <a:fillRect/>
           </a:stretch>
         </p:blipFill>
         <p:spPr>
           <a:xfrm>
-            <a:off x="6961238" y="702157"/>
-            <a:ext cx="4562168" cy="6155844"/>
+            <a:off x="8385265" y="1232452"/>
+            <a:ext cx="3698579" cy="5453688"/>
           </a:xfrm>
           <a:prstGeom prst="rect">
             <a:avLst/>
@@ -7994,21 +8136,21 @@
 </file>
 
 <file path=customXml/item1.xml><?xml version="1.0" encoding="utf-8"?>
+<?mso-contentType ?>
+<FormTemplates xmlns="http://schemas.microsoft.com/sharepoint/v3/contenttype/forms">
+  <Display>DocumentLibraryForm</Display>
+  <Edit>DocumentLibraryForm</Edit>
+  <New>DocumentLibraryForm</New>
+</FormTemplates>
+</file>
+
+<file path=customXml/item2.xml><?xml version="1.0" encoding="utf-8"?>
 <p:properties xmlns:p="http://schemas.microsoft.com/office/2006/metadata/properties" xmlns:xsi="http://www.w3.org/2001/XMLSchema-instance" xmlns:pc="http://schemas.microsoft.com/office/infopath/2007/PartnerControls">
   <documentManagement>
     <MediaServiceKeyPoints xmlns="9162bd5b-4ed9-4da3-b376-05204580ba3f" xsi:nil="true"/>
     <_activity xmlns="9162bd5b-4ed9-4da3-b376-05204580ba3f" xsi:nil="true"/>
   </documentManagement>
 </p:properties>
-</file>
-
-<file path=customXml/item2.xml><?xml version="1.0" encoding="utf-8"?>
-<?mso-contentType ?>
-<FormTemplates xmlns="http://schemas.microsoft.com/sharepoint/v3/contenttype/forms">
-  <Display>DocumentLibraryForm</Display>
-  <Edit>DocumentLibraryForm</Edit>
-  <New>DocumentLibraryForm</New>
-</FormTemplates>
 </file>
 
 <file path=customXml/item3.xml><?xml version="1.0" encoding="utf-8"?>
@@ -8259,6 +8401,14 @@
 </file>
 
 <file path=customXml/itemProps1.xml><?xml version="1.0" encoding="utf-8"?>
+<ds:datastoreItem xmlns:ds="http://schemas.openxmlformats.org/officeDocument/2006/customXml" ds:itemID="{927BD4C1-B6B1-4715-ABF9-E660A51A4EA0}">
+  <ds:schemaRefs>
+    <ds:schemaRef ds:uri="http://schemas.microsoft.com/sharepoint/v3/contenttype/forms"/>
+  </ds:schemaRefs>
+</ds:datastoreItem>
+</file>
+
+<file path=customXml/itemProps2.xml><?xml version="1.0" encoding="utf-8"?>
 <ds:datastoreItem xmlns:ds="http://schemas.openxmlformats.org/officeDocument/2006/customXml" ds:itemID="{8D289AE2-D2AE-49D1-AFAC-3A79F6794255}">
   <ds:schemaRefs>
     <ds:schemaRef ds:uri="http://purl.org/dc/terms/"/>
@@ -8271,14 +8421,6 @@
     <ds:schemaRef ds:uri="9162bd5b-4ed9-4da3-b376-05204580ba3f"/>
     <ds:schemaRef ds:uri="http://www.w3.org/XML/1998/namespace"/>
     <ds:schemaRef ds:uri="http://purl.org/dc/dcmitype/"/>
-  </ds:schemaRefs>
-</ds:datastoreItem>
-</file>
-
-<file path=customXml/itemProps2.xml><?xml version="1.0" encoding="utf-8"?>
-<ds:datastoreItem xmlns:ds="http://schemas.openxmlformats.org/officeDocument/2006/customXml" ds:itemID="{927BD4C1-B6B1-4715-ABF9-E660A51A4EA0}">
-  <ds:schemaRefs>
-    <ds:schemaRef ds:uri="http://schemas.microsoft.com/sharepoint/v3/contenttype/forms"/>
   </ds:schemaRefs>
 </ds:datastoreItem>
 </file>

--- a/final tik ppt.pptx
+++ b/final tik ppt.pptx
@@ -8136,21 +8136,21 @@
 </file>
 
 <file path=customXml/item1.xml><?xml version="1.0" encoding="utf-8"?>
+<p:properties xmlns:p="http://schemas.microsoft.com/office/2006/metadata/properties" xmlns:xsi="http://www.w3.org/2001/XMLSchema-instance" xmlns:pc="http://schemas.microsoft.com/office/infopath/2007/PartnerControls">
+  <documentManagement>
+    <MediaServiceKeyPoints xmlns="9162bd5b-4ed9-4da3-b376-05204580ba3f" xsi:nil="true"/>
+    <_activity xmlns="9162bd5b-4ed9-4da3-b376-05204580ba3f" xsi:nil="true"/>
+  </documentManagement>
+</p:properties>
+</file>
+
+<file path=customXml/item2.xml><?xml version="1.0" encoding="utf-8"?>
 <?mso-contentType ?>
 <FormTemplates xmlns="http://schemas.microsoft.com/sharepoint/v3/contenttype/forms">
   <Display>DocumentLibraryForm</Display>
   <Edit>DocumentLibraryForm</Edit>
   <New>DocumentLibraryForm</New>
 </FormTemplates>
-</file>
-
-<file path=customXml/item2.xml><?xml version="1.0" encoding="utf-8"?>
-<p:properties xmlns:p="http://schemas.microsoft.com/office/2006/metadata/properties" xmlns:xsi="http://www.w3.org/2001/XMLSchema-instance" xmlns:pc="http://schemas.microsoft.com/office/infopath/2007/PartnerControls">
-  <documentManagement>
-    <MediaServiceKeyPoints xmlns="9162bd5b-4ed9-4da3-b376-05204580ba3f" xsi:nil="true"/>
-    <_activity xmlns="9162bd5b-4ed9-4da3-b376-05204580ba3f" xsi:nil="true"/>
-  </documentManagement>
-</p:properties>
 </file>
 
 <file path=customXml/item3.xml><?xml version="1.0" encoding="utf-8"?>
@@ -8401,14 +8401,6 @@
 </file>
 
 <file path=customXml/itemProps1.xml><?xml version="1.0" encoding="utf-8"?>
-<ds:datastoreItem xmlns:ds="http://schemas.openxmlformats.org/officeDocument/2006/customXml" ds:itemID="{927BD4C1-B6B1-4715-ABF9-E660A51A4EA0}">
-  <ds:schemaRefs>
-    <ds:schemaRef ds:uri="http://schemas.microsoft.com/sharepoint/v3/contenttype/forms"/>
-  </ds:schemaRefs>
-</ds:datastoreItem>
-</file>
-
-<file path=customXml/itemProps2.xml><?xml version="1.0" encoding="utf-8"?>
 <ds:datastoreItem xmlns:ds="http://schemas.openxmlformats.org/officeDocument/2006/customXml" ds:itemID="{8D289AE2-D2AE-49D1-AFAC-3A79F6794255}">
   <ds:schemaRefs>
     <ds:schemaRef ds:uri="http://purl.org/dc/terms/"/>
@@ -8421,6 +8413,14 @@
     <ds:schemaRef ds:uri="9162bd5b-4ed9-4da3-b376-05204580ba3f"/>
     <ds:schemaRef ds:uri="http://www.w3.org/XML/1998/namespace"/>
     <ds:schemaRef ds:uri="http://purl.org/dc/dcmitype/"/>
+  </ds:schemaRefs>
+</ds:datastoreItem>
+</file>
+
+<file path=customXml/itemProps2.xml><?xml version="1.0" encoding="utf-8"?>
+<ds:datastoreItem xmlns:ds="http://schemas.openxmlformats.org/officeDocument/2006/customXml" ds:itemID="{927BD4C1-B6B1-4715-ABF9-E660A51A4EA0}">
+  <ds:schemaRefs>
+    <ds:schemaRef ds:uri="http://schemas.microsoft.com/sharepoint/v3/contenttype/forms"/>
   </ds:schemaRefs>
 </ds:datastoreItem>
 </file>
